--- a/ppt 16-9/0873.离别歌.pptx
+++ b/ppt 16-9/0873.离别歌.pptx
@@ -5,7 +5,7 @@
     <p:sldMasterId id="2147483648" r:id="rId1"/>
   </p:sldMasterIdLst>
   <p:sldIdLst>
-    <p:sldId id="2182" r:id="rId2"/>
+    <p:sldId id="2184" r:id="rId2"/>
   </p:sldIdLst>
   <p:sldSz cx="12192000" cy="6858000"/>
   <p:notesSz cx="6858000" cy="9144000"/>
@@ -129,7 +129,7 @@
           <p:cNvPr id="2" name="标题 1">
             <a:extLst>
               <a:ext uri="{FF2B5EF4-FFF2-40B4-BE49-F238E27FC236}">
-                <a16:creationId xmlns:a16="http://schemas.microsoft.com/office/drawing/2014/main" id="{E360F0E5-B3B5-900F-ECC6-71D7321F9393}"/>
+                <a16:creationId xmlns:a16="http://schemas.microsoft.com/office/drawing/2014/main" id="{7B8B02EA-70B3-282F-372D-7065E7F25DBC}"/>
               </a:ext>
             </a:extLst>
           </p:cNvPr>
@@ -166,7 +166,7 @@
           <p:cNvPr id="3" name="副标题 2">
             <a:extLst>
               <a:ext uri="{FF2B5EF4-FFF2-40B4-BE49-F238E27FC236}">
-                <a16:creationId xmlns:a16="http://schemas.microsoft.com/office/drawing/2014/main" id="{FBE3A8FF-6BB6-63D4-DFE2-D0B9C2DDEB3A}"/>
+                <a16:creationId xmlns:a16="http://schemas.microsoft.com/office/drawing/2014/main" id="{DC15C995-80A7-4EDF-A4BD-9F47A0FC600C}"/>
               </a:ext>
             </a:extLst>
           </p:cNvPr>
@@ -236,7 +236,7 @@
           <p:cNvPr id="4" name="日期占位符 3">
             <a:extLst>
               <a:ext uri="{FF2B5EF4-FFF2-40B4-BE49-F238E27FC236}">
-                <a16:creationId xmlns:a16="http://schemas.microsoft.com/office/drawing/2014/main" id="{0255E888-2D39-62ED-7883-4EEFBA7C4229}"/>
+                <a16:creationId xmlns:a16="http://schemas.microsoft.com/office/drawing/2014/main" id="{4F80AF78-F4C5-7C67-4DF9-428C88906E51}"/>
               </a:ext>
             </a:extLst>
           </p:cNvPr>
@@ -252,7 +252,7 @@
           <a:bodyPr/>
           <a:lstStyle/>
           <a:p>
-            <a:fld id="{7A3AA675-48E1-4F10-80FE-3FF257947F4A}" type="datetimeFigureOut">
+            <a:fld id="{20DA467D-7D9A-4F4B-A9C8-92EB23F9B4B0}" type="datetimeFigureOut">
               <a:rPr lang="zh-CN" altLang="en-US" smtClean="0"/>
               <a:t>2024/3/10</a:t>
             </a:fld>
@@ -265,7 +265,7 @@
           <p:cNvPr id="5" name="页脚占位符 4">
             <a:extLst>
               <a:ext uri="{FF2B5EF4-FFF2-40B4-BE49-F238E27FC236}">
-                <a16:creationId xmlns:a16="http://schemas.microsoft.com/office/drawing/2014/main" id="{2C619415-8F85-1496-DB8F-D5375CA69FDC}"/>
+                <a16:creationId xmlns:a16="http://schemas.microsoft.com/office/drawing/2014/main" id="{415EEA02-8DE1-8DCA-A7AB-FE49A2571AF9}"/>
               </a:ext>
             </a:extLst>
           </p:cNvPr>
@@ -290,7 +290,7 @@
           <p:cNvPr id="6" name="灯片编号占位符 5">
             <a:extLst>
               <a:ext uri="{FF2B5EF4-FFF2-40B4-BE49-F238E27FC236}">
-                <a16:creationId xmlns:a16="http://schemas.microsoft.com/office/drawing/2014/main" id="{13B9CD60-E21F-FDC6-BB05-2732EE2C13B5}"/>
+                <a16:creationId xmlns:a16="http://schemas.microsoft.com/office/drawing/2014/main" id="{A72F8B93-AE3D-4A14-E748-8D2A7CE09ABC}"/>
               </a:ext>
             </a:extLst>
           </p:cNvPr>
@@ -306,7 +306,7 @@
           <a:bodyPr/>
           <a:lstStyle/>
           <a:p>
-            <a:fld id="{74C39995-E612-4A25-8925-E16070734EFC}" type="slidenum">
+            <a:fld id="{EE56B603-8A5E-4AA0-B236-DEE27E958C4D}" type="slidenum">
               <a:rPr lang="zh-CN" altLang="en-US" smtClean="0"/>
               <a:t>‹#›</a:t>
             </a:fld>
@@ -317,7 +317,7 @@
     </p:spTree>
     <p:extLst>
       <p:ext uri="{BB962C8B-B14F-4D97-AF65-F5344CB8AC3E}">
-        <p14:creationId xmlns:p14="http://schemas.microsoft.com/office/powerpoint/2010/main" val="737940443"/>
+        <p14:creationId xmlns:p14="http://schemas.microsoft.com/office/powerpoint/2010/main" val="2804212415"/>
       </p:ext>
     </p:extLst>
   </p:cSld>
@@ -349,7 +349,7 @@
           <p:cNvPr id="2" name="标题 1">
             <a:extLst>
               <a:ext uri="{FF2B5EF4-FFF2-40B4-BE49-F238E27FC236}">
-                <a16:creationId xmlns:a16="http://schemas.microsoft.com/office/drawing/2014/main" id="{1C538C8C-797E-F74F-0F6B-6977F22EEE11}"/>
+                <a16:creationId xmlns:a16="http://schemas.microsoft.com/office/drawing/2014/main" id="{2886F454-B19A-A5C3-3358-C41B22D3F6EA}"/>
               </a:ext>
             </a:extLst>
           </p:cNvPr>
@@ -377,7 +377,7 @@
           <p:cNvPr id="3" name="竖排文字占位符 2">
             <a:extLst>
               <a:ext uri="{FF2B5EF4-FFF2-40B4-BE49-F238E27FC236}">
-                <a16:creationId xmlns:a16="http://schemas.microsoft.com/office/drawing/2014/main" id="{C08D5571-5FB4-967A-479B-44E4CDDE5F22}"/>
+                <a16:creationId xmlns:a16="http://schemas.microsoft.com/office/drawing/2014/main" id="{500A541F-626C-5CD5-40ED-5D2950051609}"/>
               </a:ext>
             </a:extLst>
           </p:cNvPr>
@@ -434,7 +434,7 @@
           <p:cNvPr id="4" name="日期占位符 3">
             <a:extLst>
               <a:ext uri="{FF2B5EF4-FFF2-40B4-BE49-F238E27FC236}">
-                <a16:creationId xmlns:a16="http://schemas.microsoft.com/office/drawing/2014/main" id="{3F979353-ED02-C3CE-D00F-2FED0FA7DCAA}"/>
+                <a16:creationId xmlns:a16="http://schemas.microsoft.com/office/drawing/2014/main" id="{F0004A39-42D8-9C4A-51E7-B4B745EC3248}"/>
               </a:ext>
             </a:extLst>
           </p:cNvPr>
@@ -450,7 +450,7 @@
           <a:bodyPr/>
           <a:lstStyle/>
           <a:p>
-            <a:fld id="{7A3AA675-48E1-4F10-80FE-3FF257947F4A}" type="datetimeFigureOut">
+            <a:fld id="{20DA467D-7D9A-4F4B-A9C8-92EB23F9B4B0}" type="datetimeFigureOut">
               <a:rPr lang="zh-CN" altLang="en-US" smtClean="0"/>
               <a:t>2024/3/10</a:t>
             </a:fld>
@@ -463,7 +463,7 @@
           <p:cNvPr id="5" name="页脚占位符 4">
             <a:extLst>
               <a:ext uri="{FF2B5EF4-FFF2-40B4-BE49-F238E27FC236}">
-                <a16:creationId xmlns:a16="http://schemas.microsoft.com/office/drawing/2014/main" id="{CDEC3B3A-9CF7-291C-555A-CCB950498089}"/>
+                <a16:creationId xmlns:a16="http://schemas.microsoft.com/office/drawing/2014/main" id="{528875B8-468A-C132-A4EC-BC216D251247}"/>
               </a:ext>
             </a:extLst>
           </p:cNvPr>
@@ -488,7 +488,7 @@
           <p:cNvPr id="6" name="灯片编号占位符 5">
             <a:extLst>
               <a:ext uri="{FF2B5EF4-FFF2-40B4-BE49-F238E27FC236}">
-                <a16:creationId xmlns:a16="http://schemas.microsoft.com/office/drawing/2014/main" id="{0937ECB5-5891-2941-C070-21193CB89EF5}"/>
+                <a16:creationId xmlns:a16="http://schemas.microsoft.com/office/drawing/2014/main" id="{9D29E88E-DB4E-4CFC-068F-4E59732181BF}"/>
               </a:ext>
             </a:extLst>
           </p:cNvPr>
@@ -504,7 +504,7 @@
           <a:bodyPr/>
           <a:lstStyle/>
           <a:p>
-            <a:fld id="{74C39995-E612-4A25-8925-E16070734EFC}" type="slidenum">
+            <a:fld id="{EE56B603-8A5E-4AA0-B236-DEE27E958C4D}" type="slidenum">
               <a:rPr lang="zh-CN" altLang="en-US" smtClean="0"/>
               <a:t>‹#›</a:t>
             </a:fld>
@@ -515,7 +515,7 @@
     </p:spTree>
     <p:extLst>
       <p:ext uri="{BB962C8B-B14F-4D97-AF65-F5344CB8AC3E}">
-        <p14:creationId xmlns:p14="http://schemas.microsoft.com/office/powerpoint/2010/main" val="1363998708"/>
+        <p14:creationId xmlns:p14="http://schemas.microsoft.com/office/powerpoint/2010/main" val="2978498182"/>
       </p:ext>
     </p:extLst>
   </p:cSld>
@@ -547,7 +547,7 @@
           <p:cNvPr id="2" name="竖排标题 1">
             <a:extLst>
               <a:ext uri="{FF2B5EF4-FFF2-40B4-BE49-F238E27FC236}">
-                <a16:creationId xmlns:a16="http://schemas.microsoft.com/office/drawing/2014/main" id="{2F7576AF-EFCA-944E-9E24-30CF7FF27EDF}"/>
+                <a16:creationId xmlns:a16="http://schemas.microsoft.com/office/drawing/2014/main" id="{154A7C65-07B4-3AA6-A31D-994CC3CC7855}"/>
               </a:ext>
             </a:extLst>
           </p:cNvPr>
@@ -580,7 +580,7 @@
           <p:cNvPr id="3" name="竖排文字占位符 2">
             <a:extLst>
               <a:ext uri="{FF2B5EF4-FFF2-40B4-BE49-F238E27FC236}">
-                <a16:creationId xmlns:a16="http://schemas.microsoft.com/office/drawing/2014/main" id="{77C464E0-A091-B390-6015-1058E06AF5B4}"/>
+                <a16:creationId xmlns:a16="http://schemas.microsoft.com/office/drawing/2014/main" id="{AAFD9733-ACE6-51E2-FC84-874DF7535229}"/>
               </a:ext>
             </a:extLst>
           </p:cNvPr>
@@ -642,7 +642,7 @@
           <p:cNvPr id="4" name="日期占位符 3">
             <a:extLst>
               <a:ext uri="{FF2B5EF4-FFF2-40B4-BE49-F238E27FC236}">
-                <a16:creationId xmlns:a16="http://schemas.microsoft.com/office/drawing/2014/main" id="{7B0F1EC2-2D47-D469-48D3-7C479EC6F922}"/>
+                <a16:creationId xmlns:a16="http://schemas.microsoft.com/office/drawing/2014/main" id="{31D3B969-265B-8BF4-DF8F-030493370A01}"/>
               </a:ext>
             </a:extLst>
           </p:cNvPr>
@@ -658,7 +658,7 @@
           <a:bodyPr/>
           <a:lstStyle/>
           <a:p>
-            <a:fld id="{7A3AA675-48E1-4F10-80FE-3FF257947F4A}" type="datetimeFigureOut">
+            <a:fld id="{20DA467D-7D9A-4F4B-A9C8-92EB23F9B4B0}" type="datetimeFigureOut">
               <a:rPr lang="zh-CN" altLang="en-US" smtClean="0"/>
               <a:t>2024/3/10</a:t>
             </a:fld>
@@ -671,7 +671,7 @@
           <p:cNvPr id="5" name="页脚占位符 4">
             <a:extLst>
               <a:ext uri="{FF2B5EF4-FFF2-40B4-BE49-F238E27FC236}">
-                <a16:creationId xmlns:a16="http://schemas.microsoft.com/office/drawing/2014/main" id="{40C9CE38-80CA-F0B3-646F-0531DAF9D37E}"/>
+                <a16:creationId xmlns:a16="http://schemas.microsoft.com/office/drawing/2014/main" id="{AB1BBB58-E289-EC34-613E-FF793F353A84}"/>
               </a:ext>
             </a:extLst>
           </p:cNvPr>
@@ -696,7 +696,7 @@
           <p:cNvPr id="6" name="灯片编号占位符 5">
             <a:extLst>
               <a:ext uri="{FF2B5EF4-FFF2-40B4-BE49-F238E27FC236}">
-                <a16:creationId xmlns:a16="http://schemas.microsoft.com/office/drawing/2014/main" id="{6AC3D5F6-7800-9653-335A-E7E73800830F}"/>
+                <a16:creationId xmlns:a16="http://schemas.microsoft.com/office/drawing/2014/main" id="{48B64B77-C0F9-B636-6268-73FBCA34180D}"/>
               </a:ext>
             </a:extLst>
           </p:cNvPr>
@@ -712,7 +712,7 @@
           <a:bodyPr/>
           <a:lstStyle/>
           <a:p>
-            <a:fld id="{74C39995-E612-4A25-8925-E16070734EFC}" type="slidenum">
+            <a:fld id="{EE56B603-8A5E-4AA0-B236-DEE27E958C4D}" type="slidenum">
               <a:rPr lang="zh-CN" altLang="en-US" smtClean="0"/>
               <a:t>‹#›</a:t>
             </a:fld>
@@ -723,7 +723,7 @@
     </p:spTree>
     <p:extLst>
       <p:ext uri="{BB962C8B-B14F-4D97-AF65-F5344CB8AC3E}">
-        <p14:creationId xmlns:p14="http://schemas.microsoft.com/office/powerpoint/2010/main" val="1082950220"/>
+        <p14:creationId xmlns:p14="http://schemas.microsoft.com/office/powerpoint/2010/main" val="1474120045"/>
       </p:ext>
     </p:extLst>
   </p:cSld>
@@ -755,7 +755,7 @@
           <p:cNvPr id="2" name="标题 1">
             <a:extLst>
               <a:ext uri="{FF2B5EF4-FFF2-40B4-BE49-F238E27FC236}">
-                <a16:creationId xmlns:a16="http://schemas.microsoft.com/office/drawing/2014/main" id="{1120DBBF-BA0A-689F-D483-59166568DD79}"/>
+                <a16:creationId xmlns:a16="http://schemas.microsoft.com/office/drawing/2014/main" id="{C4DA992D-0F52-B4B2-6E91-973F3262B5CF}"/>
               </a:ext>
             </a:extLst>
           </p:cNvPr>
@@ -783,7 +783,7 @@
           <p:cNvPr id="3" name="内容占位符 2">
             <a:extLst>
               <a:ext uri="{FF2B5EF4-FFF2-40B4-BE49-F238E27FC236}">
-                <a16:creationId xmlns:a16="http://schemas.microsoft.com/office/drawing/2014/main" id="{C79CD00B-4D98-8650-C91B-E1BF7BC79DBA}"/>
+                <a16:creationId xmlns:a16="http://schemas.microsoft.com/office/drawing/2014/main" id="{C21E735B-E479-2A7F-83FE-6C1537E868CF}"/>
               </a:ext>
             </a:extLst>
           </p:cNvPr>
@@ -840,7 +840,7 @@
           <p:cNvPr id="4" name="日期占位符 3">
             <a:extLst>
               <a:ext uri="{FF2B5EF4-FFF2-40B4-BE49-F238E27FC236}">
-                <a16:creationId xmlns:a16="http://schemas.microsoft.com/office/drawing/2014/main" id="{5992FBD3-7823-26CE-6E38-B26F7C3D6DD6}"/>
+                <a16:creationId xmlns:a16="http://schemas.microsoft.com/office/drawing/2014/main" id="{372D4A41-EA43-4385-E943-9F50ED0463DD}"/>
               </a:ext>
             </a:extLst>
           </p:cNvPr>
@@ -856,7 +856,7 @@
           <a:bodyPr/>
           <a:lstStyle/>
           <a:p>
-            <a:fld id="{7A3AA675-48E1-4F10-80FE-3FF257947F4A}" type="datetimeFigureOut">
+            <a:fld id="{20DA467D-7D9A-4F4B-A9C8-92EB23F9B4B0}" type="datetimeFigureOut">
               <a:rPr lang="zh-CN" altLang="en-US" smtClean="0"/>
               <a:t>2024/3/10</a:t>
             </a:fld>
@@ -869,7 +869,7 @@
           <p:cNvPr id="5" name="页脚占位符 4">
             <a:extLst>
               <a:ext uri="{FF2B5EF4-FFF2-40B4-BE49-F238E27FC236}">
-                <a16:creationId xmlns:a16="http://schemas.microsoft.com/office/drawing/2014/main" id="{605AC60B-602C-25EA-D2DA-04A33D1BD77C}"/>
+                <a16:creationId xmlns:a16="http://schemas.microsoft.com/office/drawing/2014/main" id="{E9008E0B-8B74-C5EF-61EA-B63481E3C9D4}"/>
               </a:ext>
             </a:extLst>
           </p:cNvPr>
@@ -894,7 +894,7 @@
           <p:cNvPr id="6" name="灯片编号占位符 5">
             <a:extLst>
               <a:ext uri="{FF2B5EF4-FFF2-40B4-BE49-F238E27FC236}">
-                <a16:creationId xmlns:a16="http://schemas.microsoft.com/office/drawing/2014/main" id="{6884A33E-19E9-93FA-D8BB-2BC19EC0F388}"/>
+                <a16:creationId xmlns:a16="http://schemas.microsoft.com/office/drawing/2014/main" id="{44EEC93E-8E2B-4855-FD98-40C8A34F6E98}"/>
               </a:ext>
             </a:extLst>
           </p:cNvPr>
@@ -910,7 +910,7 @@
           <a:bodyPr/>
           <a:lstStyle/>
           <a:p>
-            <a:fld id="{74C39995-E612-4A25-8925-E16070734EFC}" type="slidenum">
+            <a:fld id="{EE56B603-8A5E-4AA0-B236-DEE27E958C4D}" type="slidenum">
               <a:rPr lang="zh-CN" altLang="en-US" smtClean="0"/>
               <a:t>‹#›</a:t>
             </a:fld>
@@ -921,7 +921,7 @@
     </p:spTree>
     <p:extLst>
       <p:ext uri="{BB962C8B-B14F-4D97-AF65-F5344CB8AC3E}">
-        <p14:creationId xmlns:p14="http://schemas.microsoft.com/office/powerpoint/2010/main" val="91209386"/>
+        <p14:creationId xmlns:p14="http://schemas.microsoft.com/office/powerpoint/2010/main" val="2158461728"/>
       </p:ext>
     </p:extLst>
   </p:cSld>
@@ -953,7 +953,7 @@
           <p:cNvPr id="2" name="标题 1">
             <a:extLst>
               <a:ext uri="{FF2B5EF4-FFF2-40B4-BE49-F238E27FC236}">
-                <a16:creationId xmlns:a16="http://schemas.microsoft.com/office/drawing/2014/main" id="{52278B1B-E4E1-8CFC-A015-97E6C00A6FDE}"/>
+                <a16:creationId xmlns:a16="http://schemas.microsoft.com/office/drawing/2014/main" id="{EDF24F95-D963-C1F2-FAA7-AF4174BAA2AB}"/>
               </a:ext>
             </a:extLst>
           </p:cNvPr>
@@ -990,7 +990,7 @@
           <p:cNvPr id="3" name="文本占位符 2">
             <a:extLst>
               <a:ext uri="{FF2B5EF4-FFF2-40B4-BE49-F238E27FC236}">
-                <a16:creationId xmlns:a16="http://schemas.microsoft.com/office/drawing/2014/main" id="{28F35A28-F363-3AAE-1F03-2A0D07A53AAF}"/>
+                <a16:creationId xmlns:a16="http://schemas.microsoft.com/office/drawing/2014/main" id="{A0AB0B04-3A79-D29C-234A-B613B6BAAEA1}"/>
               </a:ext>
             </a:extLst>
           </p:cNvPr>
@@ -1115,7 +1115,7 @@
           <p:cNvPr id="4" name="日期占位符 3">
             <a:extLst>
               <a:ext uri="{FF2B5EF4-FFF2-40B4-BE49-F238E27FC236}">
-                <a16:creationId xmlns:a16="http://schemas.microsoft.com/office/drawing/2014/main" id="{6838E87A-51E8-4969-BFA8-CCE469CA2036}"/>
+                <a16:creationId xmlns:a16="http://schemas.microsoft.com/office/drawing/2014/main" id="{5509262F-A475-BC32-6760-2A36141CA86F}"/>
               </a:ext>
             </a:extLst>
           </p:cNvPr>
@@ -1131,7 +1131,7 @@
           <a:bodyPr/>
           <a:lstStyle/>
           <a:p>
-            <a:fld id="{7A3AA675-48E1-4F10-80FE-3FF257947F4A}" type="datetimeFigureOut">
+            <a:fld id="{20DA467D-7D9A-4F4B-A9C8-92EB23F9B4B0}" type="datetimeFigureOut">
               <a:rPr lang="zh-CN" altLang="en-US" smtClean="0"/>
               <a:t>2024/3/10</a:t>
             </a:fld>
@@ -1144,7 +1144,7 @@
           <p:cNvPr id="5" name="页脚占位符 4">
             <a:extLst>
               <a:ext uri="{FF2B5EF4-FFF2-40B4-BE49-F238E27FC236}">
-                <a16:creationId xmlns:a16="http://schemas.microsoft.com/office/drawing/2014/main" id="{B82466FB-1B4E-DACF-50AB-7FBE6B3333F3}"/>
+                <a16:creationId xmlns:a16="http://schemas.microsoft.com/office/drawing/2014/main" id="{753DE013-7085-C6CC-A7A4-EE4D82FB0C81}"/>
               </a:ext>
             </a:extLst>
           </p:cNvPr>
@@ -1169,7 +1169,7 @@
           <p:cNvPr id="6" name="灯片编号占位符 5">
             <a:extLst>
               <a:ext uri="{FF2B5EF4-FFF2-40B4-BE49-F238E27FC236}">
-                <a16:creationId xmlns:a16="http://schemas.microsoft.com/office/drawing/2014/main" id="{C5DB65D3-35DD-3680-09C7-CC7F0081BF55}"/>
+                <a16:creationId xmlns:a16="http://schemas.microsoft.com/office/drawing/2014/main" id="{A0D3BBE4-20F1-AC6D-436E-9FCBB9E2BB91}"/>
               </a:ext>
             </a:extLst>
           </p:cNvPr>
@@ -1185,7 +1185,7 @@
           <a:bodyPr/>
           <a:lstStyle/>
           <a:p>
-            <a:fld id="{74C39995-E612-4A25-8925-E16070734EFC}" type="slidenum">
+            <a:fld id="{EE56B603-8A5E-4AA0-B236-DEE27E958C4D}" type="slidenum">
               <a:rPr lang="zh-CN" altLang="en-US" smtClean="0"/>
               <a:t>‹#›</a:t>
             </a:fld>
@@ -1196,7 +1196,7 @@
     </p:spTree>
     <p:extLst>
       <p:ext uri="{BB962C8B-B14F-4D97-AF65-F5344CB8AC3E}">
-        <p14:creationId xmlns:p14="http://schemas.microsoft.com/office/powerpoint/2010/main" val="3559934347"/>
+        <p14:creationId xmlns:p14="http://schemas.microsoft.com/office/powerpoint/2010/main" val="796102842"/>
       </p:ext>
     </p:extLst>
   </p:cSld>
@@ -1228,7 +1228,7 @@
           <p:cNvPr id="2" name="标题 1">
             <a:extLst>
               <a:ext uri="{FF2B5EF4-FFF2-40B4-BE49-F238E27FC236}">
-                <a16:creationId xmlns:a16="http://schemas.microsoft.com/office/drawing/2014/main" id="{90470C57-49F7-0BE0-CCED-F74399748E78}"/>
+                <a16:creationId xmlns:a16="http://schemas.microsoft.com/office/drawing/2014/main" id="{C34D64E0-2B49-14F5-1072-B930FEC18B00}"/>
               </a:ext>
             </a:extLst>
           </p:cNvPr>
@@ -1256,7 +1256,7 @@
           <p:cNvPr id="3" name="内容占位符 2">
             <a:extLst>
               <a:ext uri="{FF2B5EF4-FFF2-40B4-BE49-F238E27FC236}">
-                <a16:creationId xmlns:a16="http://schemas.microsoft.com/office/drawing/2014/main" id="{1A499B44-8AB9-CB30-4D8C-83701A083093}"/>
+                <a16:creationId xmlns:a16="http://schemas.microsoft.com/office/drawing/2014/main" id="{1A9F05AD-7E08-3383-CFFD-2BFBCF9C7915}"/>
               </a:ext>
             </a:extLst>
           </p:cNvPr>
@@ -1318,7 +1318,7 @@
           <p:cNvPr id="4" name="内容占位符 3">
             <a:extLst>
               <a:ext uri="{FF2B5EF4-FFF2-40B4-BE49-F238E27FC236}">
-                <a16:creationId xmlns:a16="http://schemas.microsoft.com/office/drawing/2014/main" id="{D9569021-6F29-77D0-9B97-5F51C01FE191}"/>
+                <a16:creationId xmlns:a16="http://schemas.microsoft.com/office/drawing/2014/main" id="{630CD755-BBEB-5E45-CE1A-1FAC88C1C5F4}"/>
               </a:ext>
             </a:extLst>
           </p:cNvPr>
@@ -1380,7 +1380,7 @@
           <p:cNvPr id="5" name="日期占位符 4">
             <a:extLst>
               <a:ext uri="{FF2B5EF4-FFF2-40B4-BE49-F238E27FC236}">
-                <a16:creationId xmlns:a16="http://schemas.microsoft.com/office/drawing/2014/main" id="{8E0FD115-3D92-7C65-69D0-B284201D5012}"/>
+                <a16:creationId xmlns:a16="http://schemas.microsoft.com/office/drawing/2014/main" id="{3E132561-7C0F-595D-C0C1-AD62B709556F}"/>
               </a:ext>
             </a:extLst>
           </p:cNvPr>
@@ -1396,7 +1396,7 @@
           <a:bodyPr/>
           <a:lstStyle/>
           <a:p>
-            <a:fld id="{7A3AA675-48E1-4F10-80FE-3FF257947F4A}" type="datetimeFigureOut">
+            <a:fld id="{20DA467D-7D9A-4F4B-A9C8-92EB23F9B4B0}" type="datetimeFigureOut">
               <a:rPr lang="zh-CN" altLang="en-US" smtClean="0"/>
               <a:t>2024/3/10</a:t>
             </a:fld>
@@ -1409,7 +1409,7 @@
           <p:cNvPr id="6" name="页脚占位符 5">
             <a:extLst>
               <a:ext uri="{FF2B5EF4-FFF2-40B4-BE49-F238E27FC236}">
-                <a16:creationId xmlns:a16="http://schemas.microsoft.com/office/drawing/2014/main" id="{4E3AC846-F195-E12A-EED5-733C77EDC478}"/>
+                <a16:creationId xmlns:a16="http://schemas.microsoft.com/office/drawing/2014/main" id="{CD16361A-D98C-8C7D-15A5-1D20CA2AE721}"/>
               </a:ext>
             </a:extLst>
           </p:cNvPr>
@@ -1434,7 +1434,7 @@
           <p:cNvPr id="7" name="灯片编号占位符 6">
             <a:extLst>
               <a:ext uri="{FF2B5EF4-FFF2-40B4-BE49-F238E27FC236}">
-                <a16:creationId xmlns:a16="http://schemas.microsoft.com/office/drawing/2014/main" id="{7911518F-0DA5-9FD1-BEBF-6F2FA83AD9DC}"/>
+                <a16:creationId xmlns:a16="http://schemas.microsoft.com/office/drawing/2014/main" id="{162D5514-D070-9F86-6916-87420B0AD4F7}"/>
               </a:ext>
             </a:extLst>
           </p:cNvPr>
@@ -1450,7 +1450,7 @@
           <a:bodyPr/>
           <a:lstStyle/>
           <a:p>
-            <a:fld id="{74C39995-E612-4A25-8925-E16070734EFC}" type="slidenum">
+            <a:fld id="{EE56B603-8A5E-4AA0-B236-DEE27E958C4D}" type="slidenum">
               <a:rPr lang="zh-CN" altLang="en-US" smtClean="0"/>
               <a:t>‹#›</a:t>
             </a:fld>
@@ -1461,7 +1461,7 @@
     </p:spTree>
     <p:extLst>
       <p:ext uri="{BB962C8B-B14F-4D97-AF65-F5344CB8AC3E}">
-        <p14:creationId xmlns:p14="http://schemas.microsoft.com/office/powerpoint/2010/main" val="1558402735"/>
+        <p14:creationId xmlns:p14="http://schemas.microsoft.com/office/powerpoint/2010/main" val="3640206322"/>
       </p:ext>
     </p:extLst>
   </p:cSld>
@@ -1493,7 +1493,7 @@
           <p:cNvPr id="2" name="标题 1">
             <a:extLst>
               <a:ext uri="{FF2B5EF4-FFF2-40B4-BE49-F238E27FC236}">
-                <a16:creationId xmlns:a16="http://schemas.microsoft.com/office/drawing/2014/main" id="{E7A2FD01-704B-DDF8-9742-9DA10A4D5091}"/>
+                <a16:creationId xmlns:a16="http://schemas.microsoft.com/office/drawing/2014/main" id="{02CB1408-929E-F8C2-8D9C-870E67EDB436}"/>
               </a:ext>
             </a:extLst>
           </p:cNvPr>
@@ -1526,7 +1526,7 @@
           <p:cNvPr id="3" name="文本占位符 2">
             <a:extLst>
               <a:ext uri="{FF2B5EF4-FFF2-40B4-BE49-F238E27FC236}">
-                <a16:creationId xmlns:a16="http://schemas.microsoft.com/office/drawing/2014/main" id="{73046294-B74A-2EFB-5D82-CADFCAC356D1}"/>
+                <a16:creationId xmlns:a16="http://schemas.microsoft.com/office/drawing/2014/main" id="{BF5E755D-A47D-CBB2-A7E7-BD23BB1FE41D}"/>
               </a:ext>
             </a:extLst>
           </p:cNvPr>
@@ -1597,7 +1597,7 @@
           <p:cNvPr id="4" name="内容占位符 3">
             <a:extLst>
               <a:ext uri="{FF2B5EF4-FFF2-40B4-BE49-F238E27FC236}">
-                <a16:creationId xmlns:a16="http://schemas.microsoft.com/office/drawing/2014/main" id="{E9456F3B-1536-B3ED-2D31-36960385C89A}"/>
+                <a16:creationId xmlns:a16="http://schemas.microsoft.com/office/drawing/2014/main" id="{5D51C852-7291-2986-254D-5F3BC2F5AB8E}"/>
               </a:ext>
             </a:extLst>
           </p:cNvPr>
@@ -1659,7 +1659,7 @@
           <p:cNvPr id="5" name="文本占位符 4">
             <a:extLst>
               <a:ext uri="{FF2B5EF4-FFF2-40B4-BE49-F238E27FC236}">
-                <a16:creationId xmlns:a16="http://schemas.microsoft.com/office/drawing/2014/main" id="{4B91A3D6-6F7E-B16A-4C7B-69E579ECAA92}"/>
+                <a16:creationId xmlns:a16="http://schemas.microsoft.com/office/drawing/2014/main" id="{62F07085-223F-633B-7EDF-1B22507E9016}"/>
               </a:ext>
             </a:extLst>
           </p:cNvPr>
@@ -1730,7 +1730,7 @@
           <p:cNvPr id="6" name="内容占位符 5">
             <a:extLst>
               <a:ext uri="{FF2B5EF4-FFF2-40B4-BE49-F238E27FC236}">
-                <a16:creationId xmlns:a16="http://schemas.microsoft.com/office/drawing/2014/main" id="{ABE855A5-877A-04C2-5C83-E5A6B7054750}"/>
+                <a16:creationId xmlns:a16="http://schemas.microsoft.com/office/drawing/2014/main" id="{C94A4955-8658-D6CE-761A-BECF382E6E33}"/>
               </a:ext>
             </a:extLst>
           </p:cNvPr>
@@ -1792,7 +1792,7 @@
           <p:cNvPr id="7" name="日期占位符 6">
             <a:extLst>
               <a:ext uri="{FF2B5EF4-FFF2-40B4-BE49-F238E27FC236}">
-                <a16:creationId xmlns:a16="http://schemas.microsoft.com/office/drawing/2014/main" id="{09D5C93A-71C5-93F2-8FA6-4FC013E496A8}"/>
+                <a16:creationId xmlns:a16="http://schemas.microsoft.com/office/drawing/2014/main" id="{BDBBE6B9-F5D3-32C6-B27C-C2216D3E86C2}"/>
               </a:ext>
             </a:extLst>
           </p:cNvPr>
@@ -1808,7 +1808,7 @@
           <a:bodyPr/>
           <a:lstStyle/>
           <a:p>
-            <a:fld id="{7A3AA675-48E1-4F10-80FE-3FF257947F4A}" type="datetimeFigureOut">
+            <a:fld id="{20DA467D-7D9A-4F4B-A9C8-92EB23F9B4B0}" type="datetimeFigureOut">
               <a:rPr lang="zh-CN" altLang="en-US" smtClean="0"/>
               <a:t>2024/3/10</a:t>
             </a:fld>
@@ -1821,7 +1821,7 @@
           <p:cNvPr id="8" name="页脚占位符 7">
             <a:extLst>
               <a:ext uri="{FF2B5EF4-FFF2-40B4-BE49-F238E27FC236}">
-                <a16:creationId xmlns:a16="http://schemas.microsoft.com/office/drawing/2014/main" id="{A99849BC-A94D-29FD-A8DE-ED564F932E5D}"/>
+                <a16:creationId xmlns:a16="http://schemas.microsoft.com/office/drawing/2014/main" id="{B29BD28D-8648-E53F-CDAB-9B6A559B133B}"/>
               </a:ext>
             </a:extLst>
           </p:cNvPr>
@@ -1846,7 +1846,7 @@
           <p:cNvPr id="9" name="灯片编号占位符 8">
             <a:extLst>
               <a:ext uri="{FF2B5EF4-FFF2-40B4-BE49-F238E27FC236}">
-                <a16:creationId xmlns:a16="http://schemas.microsoft.com/office/drawing/2014/main" id="{67F62198-CC3C-5316-AFE7-7A0217BE1F14}"/>
+                <a16:creationId xmlns:a16="http://schemas.microsoft.com/office/drawing/2014/main" id="{F73700D3-E1A6-4372-E0C0-6B2007DED330}"/>
               </a:ext>
             </a:extLst>
           </p:cNvPr>
@@ -1862,7 +1862,7 @@
           <a:bodyPr/>
           <a:lstStyle/>
           <a:p>
-            <a:fld id="{74C39995-E612-4A25-8925-E16070734EFC}" type="slidenum">
+            <a:fld id="{EE56B603-8A5E-4AA0-B236-DEE27E958C4D}" type="slidenum">
               <a:rPr lang="zh-CN" altLang="en-US" smtClean="0"/>
               <a:t>‹#›</a:t>
             </a:fld>
@@ -1873,7 +1873,7 @@
     </p:spTree>
     <p:extLst>
       <p:ext uri="{BB962C8B-B14F-4D97-AF65-F5344CB8AC3E}">
-        <p14:creationId xmlns:p14="http://schemas.microsoft.com/office/powerpoint/2010/main" val="3040639777"/>
+        <p14:creationId xmlns:p14="http://schemas.microsoft.com/office/powerpoint/2010/main" val="2238337370"/>
       </p:ext>
     </p:extLst>
   </p:cSld>
@@ -1905,7 +1905,7 @@
           <p:cNvPr id="2" name="标题 1">
             <a:extLst>
               <a:ext uri="{FF2B5EF4-FFF2-40B4-BE49-F238E27FC236}">
-                <a16:creationId xmlns:a16="http://schemas.microsoft.com/office/drawing/2014/main" id="{546A78EB-ACA5-0FB4-29B9-8D36CFC5F2BF}"/>
+                <a16:creationId xmlns:a16="http://schemas.microsoft.com/office/drawing/2014/main" id="{FBFEBAA1-152C-9872-9EDA-D09B5CA35F0F}"/>
               </a:ext>
             </a:extLst>
           </p:cNvPr>
@@ -1933,7 +1933,7 @@
           <p:cNvPr id="3" name="日期占位符 2">
             <a:extLst>
               <a:ext uri="{FF2B5EF4-FFF2-40B4-BE49-F238E27FC236}">
-                <a16:creationId xmlns:a16="http://schemas.microsoft.com/office/drawing/2014/main" id="{772B8539-2D16-36ED-C8EB-1343465E45C2}"/>
+                <a16:creationId xmlns:a16="http://schemas.microsoft.com/office/drawing/2014/main" id="{DF4E7AD8-FC97-199B-6FAE-9849F3004501}"/>
               </a:ext>
             </a:extLst>
           </p:cNvPr>
@@ -1949,7 +1949,7 @@
           <a:bodyPr/>
           <a:lstStyle/>
           <a:p>
-            <a:fld id="{7A3AA675-48E1-4F10-80FE-3FF257947F4A}" type="datetimeFigureOut">
+            <a:fld id="{20DA467D-7D9A-4F4B-A9C8-92EB23F9B4B0}" type="datetimeFigureOut">
               <a:rPr lang="zh-CN" altLang="en-US" smtClean="0"/>
               <a:t>2024/3/10</a:t>
             </a:fld>
@@ -1962,7 +1962,7 @@
           <p:cNvPr id="4" name="页脚占位符 3">
             <a:extLst>
               <a:ext uri="{FF2B5EF4-FFF2-40B4-BE49-F238E27FC236}">
-                <a16:creationId xmlns:a16="http://schemas.microsoft.com/office/drawing/2014/main" id="{ADFD7F03-2070-E53D-70FF-6172D83CE95F}"/>
+                <a16:creationId xmlns:a16="http://schemas.microsoft.com/office/drawing/2014/main" id="{D0A55147-52F4-A250-E5FE-75E198B8FF1A}"/>
               </a:ext>
             </a:extLst>
           </p:cNvPr>
@@ -1987,7 +1987,7 @@
           <p:cNvPr id="5" name="灯片编号占位符 4">
             <a:extLst>
               <a:ext uri="{FF2B5EF4-FFF2-40B4-BE49-F238E27FC236}">
-                <a16:creationId xmlns:a16="http://schemas.microsoft.com/office/drawing/2014/main" id="{DC379928-C01C-CB1C-C589-F470A268B214}"/>
+                <a16:creationId xmlns:a16="http://schemas.microsoft.com/office/drawing/2014/main" id="{91EC5B2D-0A0C-1530-AE84-F0A64C67FC92}"/>
               </a:ext>
             </a:extLst>
           </p:cNvPr>
@@ -2003,7 +2003,7 @@
           <a:bodyPr/>
           <a:lstStyle/>
           <a:p>
-            <a:fld id="{74C39995-E612-4A25-8925-E16070734EFC}" type="slidenum">
+            <a:fld id="{EE56B603-8A5E-4AA0-B236-DEE27E958C4D}" type="slidenum">
               <a:rPr lang="zh-CN" altLang="en-US" smtClean="0"/>
               <a:t>‹#›</a:t>
             </a:fld>
@@ -2014,7 +2014,7 @@
     </p:spTree>
     <p:extLst>
       <p:ext uri="{BB962C8B-B14F-4D97-AF65-F5344CB8AC3E}">
-        <p14:creationId xmlns:p14="http://schemas.microsoft.com/office/powerpoint/2010/main" val="2914920933"/>
+        <p14:creationId xmlns:p14="http://schemas.microsoft.com/office/powerpoint/2010/main" val="4164767423"/>
       </p:ext>
     </p:extLst>
   </p:cSld>
@@ -2046,7 +2046,7 @@
           <p:cNvPr id="2" name="日期占位符 1">
             <a:extLst>
               <a:ext uri="{FF2B5EF4-FFF2-40B4-BE49-F238E27FC236}">
-                <a16:creationId xmlns:a16="http://schemas.microsoft.com/office/drawing/2014/main" id="{11B96E89-6252-83A2-A779-6248F8B5B3E1}"/>
+                <a16:creationId xmlns:a16="http://schemas.microsoft.com/office/drawing/2014/main" id="{4262039F-0AB4-8407-C51C-BD022873C99C}"/>
               </a:ext>
             </a:extLst>
           </p:cNvPr>
@@ -2062,7 +2062,7 @@
           <a:bodyPr/>
           <a:lstStyle/>
           <a:p>
-            <a:fld id="{7A3AA675-48E1-4F10-80FE-3FF257947F4A}" type="datetimeFigureOut">
+            <a:fld id="{20DA467D-7D9A-4F4B-A9C8-92EB23F9B4B0}" type="datetimeFigureOut">
               <a:rPr lang="zh-CN" altLang="en-US" smtClean="0"/>
               <a:t>2024/3/10</a:t>
             </a:fld>
@@ -2075,7 +2075,7 @@
           <p:cNvPr id="3" name="页脚占位符 2">
             <a:extLst>
               <a:ext uri="{FF2B5EF4-FFF2-40B4-BE49-F238E27FC236}">
-                <a16:creationId xmlns:a16="http://schemas.microsoft.com/office/drawing/2014/main" id="{1A374EFE-364A-B771-7A18-850A3FB71DA0}"/>
+                <a16:creationId xmlns:a16="http://schemas.microsoft.com/office/drawing/2014/main" id="{1DA4FED6-E778-C582-56E1-C570C3F99E90}"/>
               </a:ext>
             </a:extLst>
           </p:cNvPr>
@@ -2100,7 +2100,7 @@
           <p:cNvPr id="4" name="灯片编号占位符 3">
             <a:extLst>
               <a:ext uri="{FF2B5EF4-FFF2-40B4-BE49-F238E27FC236}">
-                <a16:creationId xmlns:a16="http://schemas.microsoft.com/office/drawing/2014/main" id="{8609275E-41F2-C33D-FA2A-C3E044C5593D}"/>
+                <a16:creationId xmlns:a16="http://schemas.microsoft.com/office/drawing/2014/main" id="{B7B28E41-642C-789F-C289-26D31ED0DCC1}"/>
               </a:ext>
             </a:extLst>
           </p:cNvPr>
@@ -2116,7 +2116,7 @@
           <a:bodyPr/>
           <a:lstStyle/>
           <a:p>
-            <a:fld id="{74C39995-E612-4A25-8925-E16070734EFC}" type="slidenum">
+            <a:fld id="{EE56B603-8A5E-4AA0-B236-DEE27E958C4D}" type="slidenum">
               <a:rPr lang="zh-CN" altLang="en-US" smtClean="0"/>
               <a:t>‹#›</a:t>
             </a:fld>
@@ -2127,7 +2127,7 @@
     </p:spTree>
     <p:extLst>
       <p:ext uri="{BB962C8B-B14F-4D97-AF65-F5344CB8AC3E}">
-        <p14:creationId xmlns:p14="http://schemas.microsoft.com/office/powerpoint/2010/main" val="2266882245"/>
+        <p14:creationId xmlns:p14="http://schemas.microsoft.com/office/powerpoint/2010/main" val="2938792402"/>
       </p:ext>
     </p:extLst>
   </p:cSld>
@@ -2159,7 +2159,7 @@
           <p:cNvPr id="2" name="标题 1">
             <a:extLst>
               <a:ext uri="{FF2B5EF4-FFF2-40B4-BE49-F238E27FC236}">
-                <a16:creationId xmlns:a16="http://schemas.microsoft.com/office/drawing/2014/main" id="{1AC53333-FEC6-1646-41E4-46CEFF145379}"/>
+                <a16:creationId xmlns:a16="http://schemas.microsoft.com/office/drawing/2014/main" id="{DF98D4E0-26A8-6989-8A08-89B876B7E12D}"/>
               </a:ext>
             </a:extLst>
           </p:cNvPr>
@@ -2196,7 +2196,7 @@
           <p:cNvPr id="3" name="内容占位符 2">
             <a:extLst>
               <a:ext uri="{FF2B5EF4-FFF2-40B4-BE49-F238E27FC236}">
-                <a16:creationId xmlns:a16="http://schemas.microsoft.com/office/drawing/2014/main" id="{068DE7CB-12DC-ACE8-F354-D731058FBB23}"/>
+                <a16:creationId xmlns:a16="http://schemas.microsoft.com/office/drawing/2014/main" id="{BB3A6308-E059-68C8-4692-A5899555F4B1}"/>
               </a:ext>
             </a:extLst>
           </p:cNvPr>
@@ -2286,7 +2286,7 @@
           <p:cNvPr id="4" name="文本占位符 3">
             <a:extLst>
               <a:ext uri="{FF2B5EF4-FFF2-40B4-BE49-F238E27FC236}">
-                <a16:creationId xmlns:a16="http://schemas.microsoft.com/office/drawing/2014/main" id="{AEF16AFF-42E3-3E4C-A45B-BEFD68C35C39}"/>
+                <a16:creationId xmlns:a16="http://schemas.microsoft.com/office/drawing/2014/main" id="{71983DD3-BBF7-6D7C-DFFB-598A4C34F82B}"/>
               </a:ext>
             </a:extLst>
           </p:cNvPr>
@@ -2357,7 +2357,7 @@
           <p:cNvPr id="5" name="日期占位符 4">
             <a:extLst>
               <a:ext uri="{FF2B5EF4-FFF2-40B4-BE49-F238E27FC236}">
-                <a16:creationId xmlns:a16="http://schemas.microsoft.com/office/drawing/2014/main" id="{EC68BCB1-A5AD-C9D9-06CE-3A7FEA8607B3}"/>
+                <a16:creationId xmlns:a16="http://schemas.microsoft.com/office/drawing/2014/main" id="{26ECA838-098B-30CF-36B9-EE2F73CE3D8F}"/>
               </a:ext>
             </a:extLst>
           </p:cNvPr>
@@ -2373,7 +2373,7 @@
           <a:bodyPr/>
           <a:lstStyle/>
           <a:p>
-            <a:fld id="{7A3AA675-48E1-4F10-80FE-3FF257947F4A}" type="datetimeFigureOut">
+            <a:fld id="{20DA467D-7D9A-4F4B-A9C8-92EB23F9B4B0}" type="datetimeFigureOut">
               <a:rPr lang="zh-CN" altLang="en-US" smtClean="0"/>
               <a:t>2024/3/10</a:t>
             </a:fld>
@@ -2386,7 +2386,7 @@
           <p:cNvPr id="6" name="页脚占位符 5">
             <a:extLst>
               <a:ext uri="{FF2B5EF4-FFF2-40B4-BE49-F238E27FC236}">
-                <a16:creationId xmlns:a16="http://schemas.microsoft.com/office/drawing/2014/main" id="{5715378C-7E76-8F7A-8C2A-C01D7E8125F2}"/>
+                <a16:creationId xmlns:a16="http://schemas.microsoft.com/office/drawing/2014/main" id="{4275CC87-674C-05B2-4389-7E87C7655D70}"/>
               </a:ext>
             </a:extLst>
           </p:cNvPr>
@@ -2411,7 +2411,7 @@
           <p:cNvPr id="7" name="灯片编号占位符 6">
             <a:extLst>
               <a:ext uri="{FF2B5EF4-FFF2-40B4-BE49-F238E27FC236}">
-                <a16:creationId xmlns:a16="http://schemas.microsoft.com/office/drawing/2014/main" id="{2DAFCB50-8DE8-C57F-48FF-6ACF126BC85A}"/>
+                <a16:creationId xmlns:a16="http://schemas.microsoft.com/office/drawing/2014/main" id="{6AA514C9-8121-E856-952F-16607CA6511F}"/>
               </a:ext>
             </a:extLst>
           </p:cNvPr>
@@ -2427,7 +2427,7 @@
           <a:bodyPr/>
           <a:lstStyle/>
           <a:p>
-            <a:fld id="{74C39995-E612-4A25-8925-E16070734EFC}" type="slidenum">
+            <a:fld id="{EE56B603-8A5E-4AA0-B236-DEE27E958C4D}" type="slidenum">
               <a:rPr lang="zh-CN" altLang="en-US" smtClean="0"/>
               <a:t>‹#›</a:t>
             </a:fld>
@@ -2438,7 +2438,7 @@
     </p:spTree>
     <p:extLst>
       <p:ext uri="{BB962C8B-B14F-4D97-AF65-F5344CB8AC3E}">
-        <p14:creationId xmlns:p14="http://schemas.microsoft.com/office/powerpoint/2010/main" val="3203270213"/>
+        <p14:creationId xmlns:p14="http://schemas.microsoft.com/office/powerpoint/2010/main" val="652081956"/>
       </p:ext>
     </p:extLst>
   </p:cSld>
@@ -2470,7 +2470,7 @@
           <p:cNvPr id="2" name="标题 1">
             <a:extLst>
               <a:ext uri="{FF2B5EF4-FFF2-40B4-BE49-F238E27FC236}">
-                <a16:creationId xmlns:a16="http://schemas.microsoft.com/office/drawing/2014/main" id="{C733A3EE-8664-06E9-70E8-3BFEB4D773EB}"/>
+                <a16:creationId xmlns:a16="http://schemas.microsoft.com/office/drawing/2014/main" id="{E9C700B4-B2F8-A084-36CB-D49F4A57BECF}"/>
               </a:ext>
             </a:extLst>
           </p:cNvPr>
@@ -2507,7 +2507,7 @@
           <p:cNvPr id="3" name="图片占位符 2">
             <a:extLst>
               <a:ext uri="{FF2B5EF4-FFF2-40B4-BE49-F238E27FC236}">
-                <a16:creationId xmlns:a16="http://schemas.microsoft.com/office/drawing/2014/main" id="{2E407D80-76D9-A421-D8A0-ACBA0416C4F0}"/>
+                <a16:creationId xmlns:a16="http://schemas.microsoft.com/office/drawing/2014/main" id="{A28A9AE5-6F51-124A-6C6F-E92A2EA1391A}"/>
               </a:ext>
             </a:extLst>
           </p:cNvPr>
@@ -2574,7 +2574,7 @@
           <p:cNvPr id="4" name="文本占位符 3">
             <a:extLst>
               <a:ext uri="{FF2B5EF4-FFF2-40B4-BE49-F238E27FC236}">
-                <a16:creationId xmlns:a16="http://schemas.microsoft.com/office/drawing/2014/main" id="{B7954DFC-6988-4968-C318-5CFFA16420AC}"/>
+                <a16:creationId xmlns:a16="http://schemas.microsoft.com/office/drawing/2014/main" id="{1C973E0A-E784-B7D9-22E9-648CD5E3CDF6}"/>
               </a:ext>
             </a:extLst>
           </p:cNvPr>
@@ -2645,7 +2645,7 @@
           <p:cNvPr id="5" name="日期占位符 4">
             <a:extLst>
               <a:ext uri="{FF2B5EF4-FFF2-40B4-BE49-F238E27FC236}">
-                <a16:creationId xmlns:a16="http://schemas.microsoft.com/office/drawing/2014/main" id="{AD622D53-61B7-6B43-257B-52C366CBBEF8}"/>
+                <a16:creationId xmlns:a16="http://schemas.microsoft.com/office/drawing/2014/main" id="{6081446D-86EA-E5C2-D46C-9536DB3EF24B}"/>
               </a:ext>
             </a:extLst>
           </p:cNvPr>
@@ -2661,7 +2661,7 @@
           <a:bodyPr/>
           <a:lstStyle/>
           <a:p>
-            <a:fld id="{7A3AA675-48E1-4F10-80FE-3FF257947F4A}" type="datetimeFigureOut">
+            <a:fld id="{20DA467D-7D9A-4F4B-A9C8-92EB23F9B4B0}" type="datetimeFigureOut">
               <a:rPr lang="zh-CN" altLang="en-US" smtClean="0"/>
               <a:t>2024/3/10</a:t>
             </a:fld>
@@ -2674,7 +2674,7 @@
           <p:cNvPr id="6" name="页脚占位符 5">
             <a:extLst>
               <a:ext uri="{FF2B5EF4-FFF2-40B4-BE49-F238E27FC236}">
-                <a16:creationId xmlns:a16="http://schemas.microsoft.com/office/drawing/2014/main" id="{85EA8E16-9D8D-965D-9CCB-025A16D6DE03}"/>
+                <a16:creationId xmlns:a16="http://schemas.microsoft.com/office/drawing/2014/main" id="{3BB213E5-41C1-D4DB-9E20-0734C1205C44}"/>
               </a:ext>
             </a:extLst>
           </p:cNvPr>
@@ -2699,7 +2699,7 @@
           <p:cNvPr id="7" name="灯片编号占位符 6">
             <a:extLst>
               <a:ext uri="{FF2B5EF4-FFF2-40B4-BE49-F238E27FC236}">
-                <a16:creationId xmlns:a16="http://schemas.microsoft.com/office/drawing/2014/main" id="{5707031F-1AB4-E067-C591-EBBF9294ACA4}"/>
+                <a16:creationId xmlns:a16="http://schemas.microsoft.com/office/drawing/2014/main" id="{03E64C6B-95D8-34E4-C9C9-1DC16B1865E0}"/>
               </a:ext>
             </a:extLst>
           </p:cNvPr>
@@ -2715,7 +2715,7 @@
           <a:bodyPr/>
           <a:lstStyle/>
           <a:p>
-            <a:fld id="{74C39995-E612-4A25-8925-E16070734EFC}" type="slidenum">
+            <a:fld id="{EE56B603-8A5E-4AA0-B236-DEE27E958C4D}" type="slidenum">
               <a:rPr lang="zh-CN" altLang="en-US" smtClean="0"/>
               <a:t>‹#›</a:t>
             </a:fld>
@@ -2726,7 +2726,7 @@
     </p:spTree>
     <p:extLst>
       <p:ext uri="{BB962C8B-B14F-4D97-AF65-F5344CB8AC3E}">
-        <p14:creationId xmlns:p14="http://schemas.microsoft.com/office/powerpoint/2010/main" val="4162767349"/>
+        <p14:creationId xmlns:p14="http://schemas.microsoft.com/office/powerpoint/2010/main" val="2942659889"/>
       </p:ext>
     </p:extLst>
   </p:cSld>
@@ -2763,7 +2763,7 @@
           <p:cNvPr id="2" name="标题占位符 1">
             <a:extLst>
               <a:ext uri="{FF2B5EF4-FFF2-40B4-BE49-F238E27FC236}">
-                <a16:creationId xmlns:a16="http://schemas.microsoft.com/office/drawing/2014/main" id="{06A5A9E7-F863-94BA-69BB-77508E5087E2}"/>
+                <a16:creationId xmlns:a16="http://schemas.microsoft.com/office/drawing/2014/main" id="{B486BD97-0304-3785-6E8A-1365BA768FB2}"/>
               </a:ext>
             </a:extLst>
           </p:cNvPr>
@@ -2801,7 +2801,7 @@
           <p:cNvPr id="3" name="文本占位符 2">
             <a:extLst>
               <a:ext uri="{FF2B5EF4-FFF2-40B4-BE49-F238E27FC236}">
-                <a16:creationId xmlns:a16="http://schemas.microsoft.com/office/drawing/2014/main" id="{C09055E1-05CC-3F68-99AE-2AD3E4BD56FE}"/>
+                <a16:creationId xmlns:a16="http://schemas.microsoft.com/office/drawing/2014/main" id="{55044F97-A1FB-685E-3040-707652F2603D}"/>
               </a:ext>
             </a:extLst>
           </p:cNvPr>
@@ -2868,7 +2868,7 @@
           <p:cNvPr id="4" name="日期占位符 3">
             <a:extLst>
               <a:ext uri="{FF2B5EF4-FFF2-40B4-BE49-F238E27FC236}">
-                <a16:creationId xmlns:a16="http://schemas.microsoft.com/office/drawing/2014/main" id="{9CEB6BEA-1AF5-DD91-72A5-6E89A61276FE}"/>
+                <a16:creationId xmlns:a16="http://schemas.microsoft.com/office/drawing/2014/main" id="{82CDBE6D-081D-34A4-2E5E-F1E4A52C573C}"/>
               </a:ext>
             </a:extLst>
           </p:cNvPr>
@@ -2902,7 +2902,7 @@
             </a:lvl1pPr>
           </a:lstStyle>
           <a:p>
-            <a:fld id="{7A3AA675-48E1-4F10-80FE-3FF257947F4A}" type="datetimeFigureOut">
+            <a:fld id="{20DA467D-7D9A-4F4B-A9C8-92EB23F9B4B0}" type="datetimeFigureOut">
               <a:rPr lang="zh-CN" altLang="en-US" smtClean="0"/>
               <a:t>2024/3/10</a:t>
             </a:fld>
@@ -2915,7 +2915,7 @@
           <p:cNvPr id="5" name="页脚占位符 4">
             <a:extLst>
               <a:ext uri="{FF2B5EF4-FFF2-40B4-BE49-F238E27FC236}">
-                <a16:creationId xmlns:a16="http://schemas.microsoft.com/office/drawing/2014/main" id="{78FDD272-6715-8EFD-A4F8-D693E720938E}"/>
+                <a16:creationId xmlns:a16="http://schemas.microsoft.com/office/drawing/2014/main" id="{CA5CE552-9367-F731-2A4B-D0C808EDDC47}"/>
               </a:ext>
             </a:extLst>
           </p:cNvPr>
@@ -2958,7 +2958,7 @@
           <p:cNvPr id="6" name="灯片编号占位符 5">
             <a:extLst>
               <a:ext uri="{FF2B5EF4-FFF2-40B4-BE49-F238E27FC236}">
-                <a16:creationId xmlns:a16="http://schemas.microsoft.com/office/drawing/2014/main" id="{3D3DF860-CFB1-D000-2A14-95B086C941F6}"/>
+                <a16:creationId xmlns:a16="http://schemas.microsoft.com/office/drawing/2014/main" id="{BB08DF09-CD46-CB28-E733-2F8256E5BC0A}"/>
               </a:ext>
             </a:extLst>
           </p:cNvPr>
@@ -2992,7 +2992,7 @@
             </a:lvl1pPr>
           </a:lstStyle>
           <a:p>
-            <a:fld id="{74C39995-E612-4A25-8925-E16070734EFC}" type="slidenum">
+            <a:fld id="{EE56B603-8A5E-4AA0-B236-DEE27E958C4D}" type="slidenum">
               <a:rPr lang="zh-CN" altLang="en-US" smtClean="0"/>
               <a:t>‹#›</a:t>
             </a:fld>
@@ -3003,7 +3003,7 @@
     </p:spTree>
     <p:extLst>
       <p:ext uri="{BB962C8B-B14F-4D97-AF65-F5344CB8AC3E}">
-        <p14:creationId xmlns:p14="http://schemas.microsoft.com/office/powerpoint/2010/main" val="1102638341"/>
+        <p14:creationId xmlns:p14="http://schemas.microsoft.com/office/powerpoint/2010/main" val="2126648477"/>
       </p:ext>
     </p:extLst>
   </p:cSld>
@@ -3323,7 +3323,7 @@
       </p:grpSpPr>
       <p:pic>
         <p:nvPicPr>
-          <p:cNvPr id="893954" name="Picture 2" descr="872"/>
+          <p:cNvPr id="894978" name="Picture 2" descr="873"/>
           <p:cNvPicPr>
             <a:picLocks noChangeAspect="1" noChangeArrowheads="1"/>
           </p:cNvPicPr>
@@ -3345,7 +3345,7 @@
         <p:spPr bwMode="auto">
           <a:xfrm>
             <a:off x="1543050" y="1"/>
-            <a:ext cx="9124950" cy="6843713"/>
+            <a:ext cx="9124950" cy="5876925"/>
           </a:xfrm>
           <a:prstGeom prst="rect">
             <a:avLst/>
